--- a/presentations/balancer pres 1.pptx
+++ b/presentations/balancer pres 1.pptx
@@ -5,17 +5,29 @@
     <p:sldMasterId id="2147483648" r:id="rId1"/>
   </p:sldMasterIdLst>
   <p:notesMasterIdLst>
-    <p:notesMasterId r:id="rId10"/>
+    <p:notesMasterId r:id="rId22"/>
   </p:notesMasterIdLst>
   <p:sldIdLst>
     <p:sldId id="256" r:id="rId2"/>
     <p:sldId id="257" r:id="rId3"/>
     <p:sldId id="258" r:id="rId4"/>
     <p:sldId id="259" r:id="rId5"/>
-    <p:sldId id="260" r:id="rId6"/>
-    <p:sldId id="263" r:id="rId7"/>
-    <p:sldId id="261" r:id="rId8"/>
-    <p:sldId id="262" r:id="rId9"/>
+    <p:sldId id="264" r:id="rId6"/>
+    <p:sldId id="265" r:id="rId7"/>
+    <p:sldId id="266" r:id="rId8"/>
+    <p:sldId id="272" r:id="rId9"/>
+    <p:sldId id="273" r:id="rId10"/>
+    <p:sldId id="267" r:id="rId11"/>
+    <p:sldId id="260" r:id="rId12"/>
+    <p:sldId id="263" r:id="rId13"/>
+    <p:sldId id="261" r:id="rId14"/>
+    <p:sldId id="262" r:id="rId15"/>
+    <p:sldId id="268" r:id="rId16"/>
+    <p:sldId id="269" r:id="rId17"/>
+    <p:sldId id="270" r:id="rId18"/>
+    <p:sldId id="271" r:id="rId19"/>
+    <p:sldId id="275" r:id="rId20"/>
+    <p:sldId id="274" r:id="rId21"/>
   </p:sldIdLst>
   <p:sldSz cx="9144000" cy="6858000" type="screen4x3"/>
   <p:notesSz cx="6858000" cy="9144000"/>
@@ -199,7 +211,7 @@
           <a:p>
             <a:fld id="{A5015E58-C453-4F37-92FD-63FA041027E3}" type="datetimeFigureOut">
               <a:rPr lang="en-US" smtClean="0"/>
-              <a:t>6/16/2015</a:t>
+              <a:t>6/22/2015</a:t>
             </a:fld>
             <a:endParaRPr lang="en-US"/>
           </a:p>
@@ -740,7 +752,7 @@
           <a:p>
             <a:fld id="{691B146D-9AF9-4006-892F-633F8F2AF448}" type="datetimeFigureOut">
               <a:rPr lang="en-US" smtClean="0"/>
-              <a:t>6/16/2015</a:t>
+              <a:t>6/22/2015</a:t>
             </a:fld>
             <a:endParaRPr lang="en-US"/>
           </a:p>
@@ -910,7 +922,7 @@
           <a:p>
             <a:fld id="{691B146D-9AF9-4006-892F-633F8F2AF448}" type="datetimeFigureOut">
               <a:rPr lang="en-US" smtClean="0"/>
-              <a:t>6/16/2015</a:t>
+              <a:t>6/22/2015</a:t>
             </a:fld>
             <a:endParaRPr lang="en-US"/>
           </a:p>
@@ -1090,7 +1102,7 @@
           <a:p>
             <a:fld id="{691B146D-9AF9-4006-892F-633F8F2AF448}" type="datetimeFigureOut">
               <a:rPr lang="en-US" smtClean="0"/>
-              <a:t>6/16/2015</a:t>
+              <a:t>6/22/2015</a:t>
             </a:fld>
             <a:endParaRPr lang="en-US"/>
           </a:p>
@@ -1260,7 +1272,7 @@
           <a:p>
             <a:fld id="{691B146D-9AF9-4006-892F-633F8F2AF448}" type="datetimeFigureOut">
               <a:rPr lang="en-US" smtClean="0"/>
-              <a:t>6/16/2015</a:t>
+              <a:t>6/22/2015</a:t>
             </a:fld>
             <a:endParaRPr lang="en-US"/>
           </a:p>
@@ -1506,7 +1518,7 @@
           <a:p>
             <a:fld id="{691B146D-9AF9-4006-892F-633F8F2AF448}" type="datetimeFigureOut">
               <a:rPr lang="en-US" smtClean="0"/>
-              <a:t>6/16/2015</a:t>
+              <a:t>6/22/2015</a:t>
             </a:fld>
             <a:endParaRPr lang="en-US"/>
           </a:p>
@@ -1794,7 +1806,7 @@
           <a:p>
             <a:fld id="{691B146D-9AF9-4006-892F-633F8F2AF448}" type="datetimeFigureOut">
               <a:rPr lang="en-US" smtClean="0"/>
-              <a:t>6/16/2015</a:t>
+              <a:t>6/22/2015</a:t>
             </a:fld>
             <a:endParaRPr lang="en-US"/>
           </a:p>
@@ -2216,7 +2228,7 @@
           <a:p>
             <a:fld id="{691B146D-9AF9-4006-892F-633F8F2AF448}" type="datetimeFigureOut">
               <a:rPr lang="en-US" smtClean="0"/>
-              <a:t>6/16/2015</a:t>
+              <a:t>6/22/2015</a:t>
             </a:fld>
             <a:endParaRPr lang="en-US"/>
           </a:p>
@@ -2334,7 +2346,7 @@
           <a:p>
             <a:fld id="{691B146D-9AF9-4006-892F-633F8F2AF448}" type="datetimeFigureOut">
               <a:rPr lang="en-US" smtClean="0"/>
-              <a:t>6/16/2015</a:t>
+              <a:t>6/22/2015</a:t>
             </a:fld>
             <a:endParaRPr lang="en-US"/>
           </a:p>
@@ -2429,7 +2441,7 @@
           <a:p>
             <a:fld id="{691B146D-9AF9-4006-892F-633F8F2AF448}" type="datetimeFigureOut">
               <a:rPr lang="en-US" smtClean="0"/>
-              <a:t>6/16/2015</a:t>
+              <a:t>6/22/2015</a:t>
             </a:fld>
             <a:endParaRPr lang="en-US"/>
           </a:p>
@@ -2706,7 +2718,7 @@
           <a:p>
             <a:fld id="{691B146D-9AF9-4006-892F-633F8F2AF448}" type="datetimeFigureOut">
               <a:rPr lang="en-US" smtClean="0"/>
-              <a:t>6/16/2015</a:t>
+              <a:t>6/22/2015</a:t>
             </a:fld>
             <a:endParaRPr lang="en-US"/>
           </a:p>
@@ -2959,7 +2971,7 @@
           <a:p>
             <a:fld id="{691B146D-9AF9-4006-892F-633F8F2AF448}" type="datetimeFigureOut">
               <a:rPr lang="en-US" smtClean="0"/>
-              <a:t>6/16/2015</a:t>
+              <a:t>6/22/2015</a:t>
             </a:fld>
             <a:endParaRPr lang="en-US"/>
           </a:p>
@@ -3172,7 +3184,7 @@
           <a:p>
             <a:fld id="{691B146D-9AF9-4006-892F-633F8F2AF448}" type="datetimeFigureOut">
               <a:rPr lang="en-US" smtClean="0"/>
-              <a:t>6/16/2015</a:t>
+              <a:t>6/22/2015</a:t>
             </a:fld>
             <a:endParaRPr lang="en-US"/>
           </a:p>
@@ -3564,11 +3576,7 @@
           <a:p>
             <a:r>
               <a:rPr lang="en-US" dirty="0" smtClean="0"/>
-              <a:t>Air Bearing </a:t>
-            </a:r>
-            <a:r>
-              <a:rPr lang="en-US" dirty="0" err="1" smtClean="0"/>
-              <a:t>Autobalancer</a:t>
+              <a:t>Air Bearing Auto-Balancer</a:t>
             </a:r>
             <a:endParaRPr lang="en-US" dirty="0"/>
           </a:p>
@@ -3607,6 +3615,1195 @@
   <p:clrMapOvr>
     <a:masterClrMapping/>
   </p:clrMapOvr>
+  <p:timing>
+    <p:tnLst>
+      <p:par>
+        <p:cTn id="1" dur="indefinite" restart="never" nodeType="tmRoot"/>
+      </p:par>
+    </p:tnLst>
+  </p:timing>
+</p:sld>
+</file>
+
+<file path=ppt/slides/slide10.xml><?xml version="1.0" encoding="utf-8"?>
+<p:sld xmlns:a="http://schemas.openxmlformats.org/drawingml/2006/main" xmlns:r="http://schemas.openxmlformats.org/officeDocument/2006/relationships" xmlns:p="http://schemas.openxmlformats.org/presentationml/2006/main">
+  <p:cSld>
+    <p:spTree>
+      <p:nvGrpSpPr>
+        <p:cNvPr id="1" name=""/>
+        <p:cNvGrpSpPr/>
+        <p:nvPr/>
+      </p:nvGrpSpPr>
+      <p:grpSpPr>
+        <a:xfrm>
+          <a:off x="0" y="0"/>
+          <a:ext cx="0" cy="0"/>
+          <a:chOff x="0" y="0"/>
+          <a:chExt cx="0" cy="0"/>
+        </a:xfrm>
+      </p:grpSpPr>
+      <p:sp>
+        <p:nvSpPr>
+          <p:cNvPr id="2" name="Title 1"/>
+          <p:cNvSpPr>
+            <a:spLocks noGrp="1"/>
+          </p:cNvSpPr>
+          <p:nvPr>
+            <p:ph type="title"/>
+          </p:nvPr>
+        </p:nvSpPr>
+        <p:spPr/>
+        <p:txBody>
+          <a:bodyPr/>
+          <a:lstStyle/>
+          <a:p>
+            <a:r>
+              <a:rPr lang="en-US" dirty="0" smtClean="0"/>
+              <a:t>Balancing Approaches</a:t>
+            </a:r>
+            <a:endParaRPr lang="en-US" dirty="0"/>
+          </a:p>
+        </p:txBody>
+      </p:sp>
+      <p:sp>
+        <p:nvSpPr>
+          <p:cNvPr id="3" name="Content Placeholder 2"/>
+          <p:cNvSpPr>
+            <a:spLocks noGrp="1"/>
+          </p:cNvSpPr>
+          <p:nvPr>
+            <p:ph idx="1"/>
+          </p:nvPr>
+        </p:nvSpPr>
+        <p:spPr/>
+        <p:txBody>
+          <a:bodyPr/>
+          <a:lstStyle/>
+          <a:p>
+            <a:r>
+              <a:rPr lang="en-US" dirty="0" smtClean="0"/>
+              <a:t>Most rely on spinning the test-bed and measuring rotational rates</a:t>
+            </a:r>
+          </a:p>
+          <a:p>
+            <a:r>
+              <a:rPr lang="en-US" dirty="0" smtClean="0"/>
+              <a:t>Can be grouped into batch estimation type solutions and feedback solutions</a:t>
+            </a:r>
+            <a:endParaRPr lang="en-US" dirty="0"/>
+          </a:p>
+        </p:txBody>
+      </p:sp>
+    </p:spTree>
+    <p:extLst>
+      <p:ext uri="{BB962C8B-B14F-4D97-AF65-F5344CB8AC3E}">
+        <p14:creationId xmlns:p14="http://schemas.microsoft.com/office/powerpoint/2010/main" val="4045546271"/>
+      </p:ext>
+    </p:extLst>
+  </p:cSld>
+  <p:clrMapOvr>
+    <a:masterClrMapping/>
+  </p:clrMapOvr>
+  <p:timing>
+    <p:tnLst>
+      <p:par>
+        <p:cTn id="1" dur="indefinite" restart="never" nodeType="tmRoot"/>
+      </p:par>
+    </p:tnLst>
+  </p:timing>
+</p:sld>
+</file>
+
+<file path=ppt/slides/slide11.xml><?xml version="1.0" encoding="utf-8"?>
+<p:sld xmlns:a="http://schemas.openxmlformats.org/drawingml/2006/main" xmlns:r="http://schemas.openxmlformats.org/officeDocument/2006/relationships" xmlns:p="http://schemas.openxmlformats.org/presentationml/2006/main">
+  <p:cSld>
+    <p:spTree>
+      <p:nvGrpSpPr>
+        <p:cNvPr id="1" name=""/>
+        <p:cNvGrpSpPr/>
+        <p:nvPr/>
+      </p:nvGrpSpPr>
+      <p:grpSpPr>
+        <a:xfrm>
+          <a:off x="0" y="0"/>
+          <a:ext cx="0" cy="0"/>
+          <a:chOff x="0" y="0"/>
+          <a:chExt cx="0" cy="0"/>
+        </a:xfrm>
+      </p:grpSpPr>
+      <p:sp>
+        <p:nvSpPr>
+          <p:cNvPr id="2" name="Title 1"/>
+          <p:cNvSpPr>
+            <a:spLocks noGrp="1"/>
+          </p:cNvSpPr>
+          <p:nvPr>
+            <p:ph type="title"/>
+          </p:nvPr>
+        </p:nvSpPr>
+        <p:spPr/>
+        <p:txBody>
+          <a:bodyPr/>
+          <a:lstStyle/>
+          <a:p>
+            <a:r>
+              <a:rPr lang="en-US" dirty="0" smtClean="0"/>
+              <a:t>Balancing Approaches	</a:t>
+            </a:r>
+            <a:endParaRPr lang="en-US" dirty="0"/>
+          </a:p>
+        </p:txBody>
+      </p:sp>
+      <p:sp>
+        <p:nvSpPr>
+          <p:cNvPr id="3" name="Content Placeholder 2"/>
+          <p:cNvSpPr>
+            <a:spLocks noGrp="1"/>
+          </p:cNvSpPr>
+          <p:nvPr>
+            <p:ph idx="1"/>
+          </p:nvPr>
+        </p:nvSpPr>
+        <p:spPr/>
+        <p:txBody>
+          <a:bodyPr>
+            <a:normAutofit fontScale="92500" lnSpcReduction="10000"/>
+          </a:bodyPr>
+          <a:lstStyle/>
+          <a:p>
+            <a:r>
+              <a:rPr lang="en-US" dirty="0" smtClean="0"/>
+              <a:t>Batch estimation (Li and </a:t>
+            </a:r>
+            <a:r>
+              <a:rPr lang="en-US" dirty="0" err="1" smtClean="0"/>
+              <a:t>Gao</a:t>
+            </a:r>
+            <a:r>
+              <a:rPr lang="en-US" dirty="0" smtClean="0"/>
+              <a:t>, </a:t>
+            </a:r>
+            <a:r>
+              <a:rPr lang="en-US" dirty="0" err="1" smtClean="0"/>
+              <a:t>Chesi</a:t>
+            </a:r>
+            <a:r>
+              <a:rPr lang="en-US" dirty="0" smtClean="0"/>
+              <a:t> and Gong)</a:t>
+            </a:r>
+          </a:p>
+          <a:p>
+            <a:pPr lvl="1"/>
+            <a:r>
+              <a:rPr lang="en-US" dirty="0" smtClean="0"/>
+              <a:t>Develop equations of motion</a:t>
+            </a:r>
+          </a:p>
+          <a:p>
+            <a:pPr lvl="1"/>
+            <a:r>
+              <a:rPr lang="en-US" dirty="0" smtClean="0"/>
+              <a:t>Actuate system (with reaction wheels)</a:t>
+            </a:r>
+          </a:p>
+          <a:p>
+            <a:pPr lvl="1"/>
+            <a:r>
+              <a:rPr lang="en-US" dirty="0" smtClean="0"/>
+              <a:t>Use some (least squares) approach to find best estimate of </a:t>
+            </a:r>
+            <a:r>
+              <a:rPr lang="en-US" dirty="0" err="1" smtClean="0"/>
+              <a:t>CoG</a:t>
+            </a:r>
+            <a:endParaRPr lang="en-US" dirty="0" smtClean="0"/>
+          </a:p>
+          <a:p>
+            <a:pPr lvl="1"/>
+            <a:r>
+              <a:rPr lang="en-US" dirty="0" smtClean="0"/>
+              <a:t>Once </a:t>
+            </a:r>
+            <a:r>
+              <a:rPr lang="en-US" dirty="0" err="1" smtClean="0"/>
+              <a:t>CoG</a:t>
+            </a:r>
+            <a:r>
+              <a:rPr lang="en-US" dirty="0" smtClean="0"/>
+              <a:t> is known, move masses to compensate</a:t>
+            </a:r>
+          </a:p>
+          <a:p>
+            <a:pPr lvl="1"/>
+            <a:r>
+              <a:rPr lang="en-US" dirty="0" smtClean="0"/>
+              <a:t>Sensitive to knowledge of actuator parameters</a:t>
+            </a:r>
+          </a:p>
+          <a:p>
+            <a:pPr lvl="1"/>
+            <a:r>
+              <a:rPr lang="en-US" dirty="0" smtClean="0"/>
+              <a:t>Need to know MOI (or estimate it at the same time)</a:t>
+            </a:r>
+          </a:p>
+          <a:p>
+            <a:pPr lvl="1"/>
+            <a:r>
+              <a:rPr lang="en-US" dirty="0" smtClean="0"/>
+              <a:t>Multiple iterations needed</a:t>
+            </a:r>
+          </a:p>
+          <a:p>
+            <a:pPr lvl="1"/>
+            <a:r>
+              <a:rPr lang="en-US" dirty="0" smtClean="0"/>
+              <a:t>Requires actuation</a:t>
+            </a:r>
+          </a:p>
+          <a:p>
+            <a:pPr lvl="1"/>
+            <a:endParaRPr lang="en-US" dirty="0" smtClean="0"/>
+          </a:p>
+          <a:p>
+            <a:pPr marL="457200" lvl="1" indent="0">
+              <a:buNone/>
+            </a:pPr>
+            <a:endParaRPr lang="en-US" dirty="0"/>
+          </a:p>
+        </p:txBody>
+      </p:sp>
+    </p:spTree>
+    <p:extLst>
+      <p:ext uri="{BB962C8B-B14F-4D97-AF65-F5344CB8AC3E}">
+        <p14:creationId xmlns:p14="http://schemas.microsoft.com/office/powerpoint/2010/main" val="4257297385"/>
+      </p:ext>
+    </p:extLst>
+  </p:cSld>
+  <p:clrMapOvr>
+    <a:masterClrMapping/>
+  </p:clrMapOvr>
+  <p:timing>
+    <p:tnLst>
+      <p:par>
+        <p:cTn id="1" dur="indefinite" restart="never" nodeType="tmRoot"/>
+      </p:par>
+    </p:tnLst>
+  </p:timing>
+</p:sld>
+</file>
+
+<file path=ppt/slides/slide12.xml><?xml version="1.0" encoding="utf-8"?>
+<p:sld xmlns:a="http://schemas.openxmlformats.org/drawingml/2006/main" xmlns:r="http://schemas.openxmlformats.org/officeDocument/2006/relationships" xmlns:p="http://schemas.openxmlformats.org/presentationml/2006/main">
+  <p:cSld>
+    <p:spTree>
+      <p:nvGrpSpPr>
+        <p:cNvPr id="1" name=""/>
+        <p:cNvGrpSpPr/>
+        <p:nvPr/>
+      </p:nvGrpSpPr>
+      <p:grpSpPr>
+        <a:xfrm>
+          <a:off x="0" y="0"/>
+          <a:ext cx="0" cy="0"/>
+          <a:chOff x="0" y="0"/>
+          <a:chExt cx="0" cy="0"/>
+        </a:xfrm>
+      </p:grpSpPr>
+      <p:sp>
+        <p:nvSpPr>
+          <p:cNvPr id="2" name="Title 1"/>
+          <p:cNvSpPr>
+            <a:spLocks noGrp="1"/>
+          </p:cNvSpPr>
+          <p:nvPr>
+            <p:ph type="title"/>
+          </p:nvPr>
+        </p:nvSpPr>
+        <p:spPr/>
+        <p:txBody>
+          <a:bodyPr/>
+          <a:lstStyle/>
+          <a:p>
+            <a:r>
+              <a:rPr lang="en-US" dirty="0" smtClean="0"/>
+              <a:t>Balancing Approaches</a:t>
+            </a:r>
+            <a:endParaRPr lang="en-US" dirty="0"/>
+          </a:p>
+        </p:txBody>
+      </p:sp>
+      <p:sp>
+        <p:nvSpPr>
+          <p:cNvPr id="3" name="Content Placeholder 2"/>
+          <p:cNvSpPr>
+            <a:spLocks noGrp="1"/>
+          </p:cNvSpPr>
+          <p:nvPr>
+            <p:ph idx="1"/>
+          </p:nvPr>
+        </p:nvSpPr>
+        <p:spPr/>
+        <p:txBody>
+          <a:bodyPr/>
+          <a:lstStyle/>
+          <a:p>
+            <a:r>
+              <a:rPr lang="en-US" dirty="0" smtClean="0"/>
+              <a:t>Alternative Approach to Batch Estimation</a:t>
+            </a:r>
+          </a:p>
+          <a:p>
+            <a:pPr lvl="1"/>
+            <a:r>
+              <a:rPr lang="en-US" dirty="0" smtClean="0"/>
+              <a:t>Move masses</a:t>
+            </a:r>
+          </a:p>
+          <a:p>
+            <a:pPr lvl="1"/>
+            <a:r>
+              <a:rPr lang="en-US" dirty="0" smtClean="0"/>
+              <a:t>Measure change of equilibrium position</a:t>
+            </a:r>
+          </a:p>
+          <a:p>
+            <a:pPr lvl="1"/>
+            <a:r>
+              <a:rPr lang="en-US" dirty="0" smtClean="0"/>
+              <a:t>Compute center of mass </a:t>
+            </a:r>
+          </a:p>
+          <a:p>
+            <a:pPr lvl="1"/>
+            <a:r>
+              <a:rPr lang="en-US" dirty="0" smtClean="0"/>
+              <a:t>Move masses to compensate </a:t>
+            </a:r>
+          </a:p>
+          <a:p>
+            <a:pPr lvl="1"/>
+            <a:endParaRPr lang="en-US" dirty="0"/>
+          </a:p>
+        </p:txBody>
+      </p:sp>
+    </p:spTree>
+    <p:extLst>
+      <p:ext uri="{BB962C8B-B14F-4D97-AF65-F5344CB8AC3E}">
+        <p14:creationId xmlns:p14="http://schemas.microsoft.com/office/powerpoint/2010/main" val="1185696142"/>
+      </p:ext>
+    </p:extLst>
+  </p:cSld>
+  <p:clrMapOvr>
+    <a:masterClrMapping/>
+  </p:clrMapOvr>
+  <p:timing>
+    <p:tnLst>
+      <p:par>
+        <p:cTn id="1" dur="indefinite" restart="never" nodeType="tmRoot"/>
+      </p:par>
+    </p:tnLst>
+  </p:timing>
+</p:sld>
+</file>
+
+<file path=ppt/slides/slide13.xml><?xml version="1.0" encoding="utf-8"?>
+<p:sld xmlns:a="http://schemas.openxmlformats.org/drawingml/2006/main" xmlns:r="http://schemas.openxmlformats.org/officeDocument/2006/relationships" xmlns:p="http://schemas.openxmlformats.org/presentationml/2006/main">
+  <p:cSld>
+    <p:spTree>
+      <p:nvGrpSpPr>
+        <p:cNvPr id="1" name=""/>
+        <p:cNvGrpSpPr/>
+        <p:nvPr/>
+      </p:nvGrpSpPr>
+      <p:grpSpPr>
+        <a:xfrm>
+          <a:off x="0" y="0"/>
+          <a:ext cx="0" cy="0"/>
+          <a:chOff x="0" y="0"/>
+          <a:chExt cx="0" cy="0"/>
+        </a:xfrm>
+      </p:grpSpPr>
+      <p:sp>
+        <p:nvSpPr>
+          <p:cNvPr id="2" name="Title 1"/>
+          <p:cNvSpPr>
+            <a:spLocks noGrp="1"/>
+          </p:cNvSpPr>
+          <p:nvPr>
+            <p:ph type="title"/>
+          </p:nvPr>
+        </p:nvSpPr>
+        <p:spPr/>
+        <p:txBody>
+          <a:bodyPr/>
+          <a:lstStyle/>
+          <a:p>
+            <a:r>
+              <a:rPr lang="en-US" dirty="0" smtClean="0"/>
+              <a:t>Balancing Approaches</a:t>
+            </a:r>
+            <a:endParaRPr lang="en-US" dirty="0"/>
+          </a:p>
+        </p:txBody>
+      </p:sp>
+      <p:sp>
+        <p:nvSpPr>
+          <p:cNvPr id="3" name="Content Placeholder 2"/>
+          <p:cNvSpPr>
+            <a:spLocks noGrp="1"/>
+          </p:cNvSpPr>
+          <p:nvPr>
+            <p:ph idx="1"/>
+          </p:nvPr>
+        </p:nvSpPr>
+        <p:spPr/>
+        <p:txBody>
+          <a:bodyPr/>
+          <a:lstStyle/>
+          <a:p>
+            <a:r>
+              <a:rPr lang="en-US" dirty="0" smtClean="0"/>
+              <a:t>Feedback approach (Kim and </a:t>
+            </a:r>
+            <a:r>
+              <a:rPr lang="en-US" dirty="0" err="1" smtClean="0"/>
+              <a:t>Agrawal</a:t>
+            </a:r>
+            <a:r>
+              <a:rPr lang="en-US" dirty="0" smtClean="0"/>
+              <a:t>, </a:t>
+            </a:r>
+            <a:r>
+              <a:rPr lang="en-US" dirty="0" err="1" smtClean="0"/>
+              <a:t>Chesi</a:t>
+            </a:r>
+            <a:r>
+              <a:rPr lang="en-US" dirty="0" smtClean="0"/>
+              <a:t> and Gong)</a:t>
+            </a:r>
+          </a:p>
+          <a:p>
+            <a:pPr lvl="1"/>
+            <a:r>
+              <a:rPr lang="en-US" dirty="0" smtClean="0"/>
+              <a:t>Actuate system</a:t>
+            </a:r>
+          </a:p>
+          <a:p>
+            <a:pPr lvl="1"/>
+            <a:r>
+              <a:rPr lang="en-US" dirty="0" smtClean="0"/>
+              <a:t>While system is spinning, apply feedback control law to drive external torque to zero</a:t>
+            </a:r>
+          </a:p>
+          <a:p>
+            <a:pPr lvl="1"/>
+            <a:r>
+              <a:rPr lang="en-US" dirty="0" smtClean="0"/>
+              <a:t>Requires knowledge of initial MOI</a:t>
+            </a:r>
+          </a:p>
+          <a:p>
+            <a:pPr lvl="1"/>
+            <a:r>
+              <a:rPr lang="en-US" dirty="0" smtClean="0"/>
+              <a:t>Requires IMU</a:t>
+            </a:r>
+          </a:p>
+          <a:p>
+            <a:pPr lvl="1"/>
+            <a:r>
+              <a:rPr lang="en-US" dirty="0" smtClean="0"/>
+              <a:t>Requires actuation</a:t>
+            </a:r>
+            <a:endParaRPr lang="en-US" dirty="0"/>
+          </a:p>
+        </p:txBody>
+      </p:sp>
+    </p:spTree>
+    <p:extLst>
+      <p:ext uri="{BB962C8B-B14F-4D97-AF65-F5344CB8AC3E}">
+        <p14:creationId xmlns:p14="http://schemas.microsoft.com/office/powerpoint/2010/main" val="1269536730"/>
+      </p:ext>
+    </p:extLst>
+  </p:cSld>
+  <p:clrMapOvr>
+    <a:masterClrMapping/>
+  </p:clrMapOvr>
+  <p:timing>
+    <p:tnLst>
+      <p:par>
+        <p:cTn id="1" dur="indefinite" restart="never" nodeType="tmRoot"/>
+      </p:par>
+    </p:tnLst>
+  </p:timing>
+</p:sld>
+</file>
+
+<file path=ppt/slides/slide14.xml><?xml version="1.0" encoding="utf-8"?>
+<p:sld xmlns:a="http://schemas.openxmlformats.org/drawingml/2006/main" xmlns:r="http://schemas.openxmlformats.org/officeDocument/2006/relationships" xmlns:p="http://schemas.openxmlformats.org/presentationml/2006/main">
+  <p:cSld>
+    <p:spTree>
+      <p:nvGrpSpPr>
+        <p:cNvPr id="1" name=""/>
+        <p:cNvGrpSpPr/>
+        <p:nvPr/>
+      </p:nvGrpSpPr>
+      <p:grpSpPr>
+        <a:xfrm>
+          <a:off x="0" y="0"/>
+          <a:ext cx="0" cy="0"/>
+          <a:chOff x="0" y="0"/>
+          <a:chExt cx="0" cy="0"/>
+        </a:xfrm>
+      </p:grpSpPr>
+      <p:sp>
+        <p:nvSpPr>
+          <p:cNvPr id="2" name="Title 1"/>
+          <p:cNvSpPr>
+            <a:spLocks noGrp="1"/>
+          </p:cNvSpPr>
+          <p:nvPr>
+            <p:ph type="title"/>
+          </p:nvPr>
+        </p:nvSpPr>
+        <p:spPr/>
+        <p:txBody>
+          <a:bodyPr>
+            <a:normAutofit/>
+          </a:bodyPr>
+          <a:lstStyle/>
+          <a:p>
+            <a:r>
+              <a:rPr lang="en-US" dirty="0" smtClean="0"/>
+              <a:t>My Proposed Approach</a:t>
+            </a:r>
+            <a:endParaRPr lang="en-US" dirty="0"/>
+          </a:p>
+        </p:txBody>
+      </p:sp>
+      <p:sp>
+        <p:nvSpPr>
+          <p:cNvPr id="3" name="Content Placeholder 2"/>
+          <p:cNvSpPr>
+            <a:spLocks noGrp="1"/>
+          </p:cNvSpPr>
+          <p:nvPr>
+            <p:ph idx="1"/>
+          </p:nvPr>
+        </p:nvSpPr>
+        <p:spPr/>
+        <p:txBody>
+          <a:bodyPr/>
+          <a:lstStyle/>
+          <a:p>
+            <a:r>
+              <a:rPr lang="en-US" dirty="0" smtClean="0"/>
+              <a:t>Step 1: Move </a:t>
+            </a:r>
+            <a:r>
+              <a:rPr lang="en-US" dirty="0" err="1" smtClean="0"/>
+              <a:t>CoG</a:t>
+            </a:r>
+            <a:r>
+              <a:rPr lang="en-US" dirty="0" smtClean="0"/>
+              <a:t> to Z axis using gravity vector feedback</a:t>
+            </a:r>
+          </a:p>
+          <a:p>
+            <a:pPr lvl="1"/>
+            <a:r>
+              <a:rPr lang="en-US" dirty="0" smtClean="0"/>
+              <a:t>Move around the weights until the bearing sits flat, but is still bottom heavy</a:t>
+            </a:r>
+          </a:p>
+          <a:p>
+            <a:pPr marL="457200" lvl="1" indent="0">
+              <a:buNone/>
+            </a:pPr>
+            <a:r>
+              <a:rPr lang="en-US" dirty="0"/>
+              <a:t>	</a:t>
+            </a:r>
+            <a:r>
+              <a:rPr lang="en-US" dirty="0" smtClean="0"/>
+              <a:t> </a:t>
+            </a:r>
+            <a:endParaRPr lang="en-US" dirty="0"/>
+          </a:p>
+        </p:txBody>
+      </p:sp>
+    </p:spTree>
+    <p:extLst>
+      <p:ext uri="{BB962C8B-B14F-4D97-AF65-F5344CB8AC3E}">
+        <p14:creationId xmlns:p14="http://schemas.microsoft.com/office/powerpoint/2010/main" val="2118397753"/>
+      </p:ext>
+    </p:extLst>
+  </p:cSld>
+  <p:clrMapOvr>
+    <a:masterClrMapping/>
+  </p:clrMapOvr>
+  <p:timing>
+    <p:tnLst>
+      <p:par>
+        <p:cTn id="1" dur="indefinite" restart="never" nodeType="tmRoot"/>
+      </p:par>
+    </p:tnLst>
+  </p:timing>
+</p:sld>
+</file>
+
+<file path=ppt/slides/slide15.xml><?xml version="1.0" encoding="utf-8"?>
+<p:sld xmlns:a="http://schemas.openxmlformats.org/drawingml/2006/main" xmlns:r="http://schemas.openxmlformats.org/officeDocument/2006/relationships" xmlns:p="http://schemas.openxmlformats.org/presentationml/2006/main">
+  <p:cSld>
+    <p:spTree>
+      <p:nvGrpSpPr>
+        <p:cNvPr id="1" name=""/>
+        <p:cNvGrpSpPr/>
+        <p:nvPr/>
+      </p:nvGrpSpPr>
+      <p:grpSpPr>
+        <a:xfrm>
+          <a:off x="0" y="0"/>
+          <a:ext cx="0" cy="0"/>
+          <a:chOff x="0" y="0"/>
+          <a:chExt cx="0" cy="0"/>
+        </a:xfrm>
+      </p:grpSpPr>
+      <p:sp>
+        <p:nvSpPr>
+          <p:cNvPr id="2" name="Title 1"/>
+          <p:cNvSpPr>
+            <a:spLocks noGrp="1"/>
+          </p:cNvSpPr>
+          <p:nvPr>
+            <p:ph type="title"/>
+          </p:nvPr>
+        </p:nvSpPr>
+        <p:spPr/>
+        <p:txBody>
+          <a:bodyPr/>
+          <a:lstStyle/>
+          <a:p>
+            <a:r>
+              <a:rPr lang="en-US" dirty="0" smtClean="0"/>
+              <a:t>My Proposed Approach</a:t>
+            </a:r>
+            <a:endParaRPr lang="en-US" dirty="0"/>
+          </a:p>
+        </p:txBody>
+      </p:sp>
+      <p:sp>
+        <p:nvSpPr>
+          <p:cNvPr id="3" name="Content Placeholder 2"/>
+          <p:cNvSpPr>
+            <a:spLocks noGrp="1"/>
+          </p:cNvSpPr>
+          <p:nvPr>
+            <p:ph idx="1"/>
+          </p:nvPr>
+        </p:nvSpPr>
+        <p:spPr/>
+        <p:txBody>
+          <a:bodyPr/>
+          <a:lstStyle/>
+          <a:p>
+            <a:r>
+              <a:rPr lang="en-US" dirty="0" smtClean="0"/>
+              <a:t>Step 2: Tilt the air bearing and rest it on a force </a:t>
+            </a:r>
+            <a:r>
+              <a:rPr lang="en-US" dirty="0" err="1" smtClean="0"/>
+              <a:t>guage</a:t>
+            </a:r>
+            <a:r>
+              <a:rPr lang="en-US" dirty="0" smtClean="0"/>
+              <a:t>. Slide up z axis mass until force </a:t>
+            </a:r>
+            <a:r>
+              <a:rPr lang="en-US" dirty="0" err="1" smtClean="0"/>
+              <a:t>guage</a:t>
+            </a:r>
+            <a:r>
+              <a:rPr lang="en-US" dirty="0" smtClean="0"/>
+              <a:t> reads zero.</a:t>
+            </a:r>
+          </a:p>
+          <a:p>
+            <a:pPr lvl="1"/>
+            <a:r>
+              <a:rPr lang="en-US" dirty="0" smtClean="0"/>
+              <a:t>Force on the </a:t>
+            </a:r>
+            <a:r>
+              <a:rPr lang="en-US" dirty="0" err="1" smtClean="0"/>
+              <a:t>guage</a:t>
+            </a:r>
+            <a:r>
+              <a:rPr lang="en-US" dirty="0" smtClean="0"/>
+              <a:t> is proportional to the torque being applied by gravity</a:t>
+            </a:r>
+          </a:p>
+          <a:p>
+            <a:pPr lvl="1"/>
+            <a:r>
+              <a:rPr lang="en-US" dirty="0" smtClean="0"/>
+              <a:t>Z axis actuator must be directly below </a:t>
+            </a:r>
+            <a:r>
+              <a:rPr lang="en-US" dirty="0" err="1" smtClean="0"/>
+              <a:t>CoR</a:t>
+            </a:r>
+            <a:endParaRPr lang="en-US" dirty="0"/>
+          </a:p>
+        </p:txBody>
+      </p:sp>
+    </p:spTree>
+    <p:extLst>
+      <p:ext uri="{BB962C8B-B14F-4D97-AF65-F5344CB8AC3E}">
+        <p14:creationId xmlns:p14="http://schemas.microsoft.com/office/powerpoint/2010/main" val="692798796"/>
+      </p:ext>
+    </p:extLst>
+  </p:cSld>
+  <p:clrMapOvr>
+    <a:masterClrMapping/>
+  </p:clrMapOvr>
+  <p:timing>
+    <p:tnLst>
+      <p:par>
+        <p:cTn id="1" dur="indefinite" restart="never" nodeType="tmRoot"/>
+      </p:par>
+    </p:tnLst>
+  </p:timing>
+</p:sld>
+</file>
+
+<file path=ppt/slides/slide16.xml><?xml version="1.0" encoding="utf-8"?>
+<p:sld xmlns:a="http://schemas.openxmlformats.org/drawingml/2006/main" xmlns:r="http://schemas.openxmlformats.org/officeDocument/2006/relationships" xmlns:p="http://schemas.openxmlformats.org/presentationml/2006/main">
+  <p:cSld>
+    <p:spTree>
+      <p:nvGrpSpPr>
+        <p:cNvPr id="1" name=""/>
+        <p:cNvGrpSpPr/>
+        <p:nvPr/>
+      </p:nvGrpSpPr>
+      <p:grpSpPr>
+        <a:xfrm>
+          <a:off x="0" y="0"/>
+          <a:ext cx="0" cy="0"/>
+          <a:chOff x="0" y="0"/>
+          <a:chExt cx="0" cy="0"/>
+        </a:xfrm>
+      </p:grpSpPr>
+      <p:sp>
+        <p:nvSpPr>
+          <p:cNvPr id="2" name="Title 1"/>
+          <p:cNvSpPr>
+            <a:spLocks noGrp="1"/>
+          </p:cNvSpPr>
+          <p:nvPr>
+            <p:ph type="title"/>
+          </p:nvPr>
+        </p:nvSpPr>
+        <p:spPr/>
+        <p:txBody>
+          <a:bodyPr/>
+          <a:lstStyle/>
+          <a:p>
+            <a:r>
+              <a:rPr lang="en-US" dirty="0" smtClean="0"/>
+              <a:t>Benefits of My Approach</a:t>
+            </a:r>
+            <a:endParaRPr lang="en-US" dirty="0"/>
+          </a:p>
+        </p:txBody>
+      </p:sp>
+      <p:sp>
+        <p:nvSpPr>
+          <p:cNvPr id="3" name="Content Placeholder 2"/>
+          <p:cNvSpPr>
+            <a:spLocks noGrp="1"/>
+          </p:cNvSpPr>
+          <p:nvPr>
+            <p:ph idx="1"/>
+          </p:nvPr>
+        </p:nvSpPr>
+        <p:spPr/>
+        <p:txBody>
+          <a:bodyPr/>
+          <a:lstStyle/>
+          <a:p>
+            <a:r>
+              <a:rPr lang="en-US" dirty="0" smtClean="0"/>
+              <a:t>No need to know MOI</a:t>
+            </a:r>
+          </a:p>
+          <a:p>
+            <a:pPr lvl="1"/>
+            <a:r>
+              <a:rPr lang="en-US" dirty="0" smtClean="0"/>
+              <a:t>Important since we plan on switching test-beds a lot</a:t>
+            </a:r>
+          </a:p>
+          <a:p>
+            <a:r>
+              <a:rPr lang="en-US" dirty="0" smtClean="0"/>
+              <a:t>No need for accurate knowledge of actuator position</a:t>
+            </a:r>
+          </a:p>
+          <a:p>
+            <a:r>
+              <a:rPr lang="en-US" dirty="0" smtClean="0"/>
+              <a:t>Not sensitive to x and y axis actuator alignment</a:t>
+            </a:r>
+          </a:p>
+          <a:p>
+            <a:r>
+              <a:rPr lang="en-US" dirty="0" smtClean="0"/>
+              <a:t>Computationally non-intensive</a:t>
+            </a:r>
+            <a:endParaRPr lang="en-US" dirty="0"/>
+          </a:p>
+        </p:txBody>
+      </p:sp>
+    </p:spTree>
+    <p:extLst>
+      <p:ext uri="{BB962C8B-B14F-4D97-AF65-F5344CB8AC3E}">
+        <p14:creationId xmlns:p14="http://schemas.microsoft.com/office/powerpoint/2010/main" val="1441720097"/>
+      </p:ext>
+    </p:extLst>
+  </p:cSld>
+  <p:clrMapOvr>
+    <a:masterClrMapping/>
+  </p:clrMapOvr>
+  <p:timing>
+    <p:tnLst>
+      <p:par>
+        <p:cTn id="1" dur="indefinite" restart="never" nodeType="tmRoot"/>
+      </p:par>
+    </p:tnLst>
+  </p:timing>
+</p:sld>
+</file>
+
+<file path=ppt/slides/slide17.xml><?xml version="1.0" encoding="utf-8"?>
+<p:sld xmlns:a="http://schemas.openxmlformats.org/drawingml/2006/main" xmlns:r="http://schemas.openxmlformats.org/officeDocument/2006/relationships" xmlns:p="http://schemas.openxmlformats.org/presentationml/2006/main">
+  <p:cSld>
+    <p:spTree>
+      <p:nvGrpSpPr>
+        <p:cNvPr id="1" name=""/>
+        <p:cNvGrpSpPr/>
+        <p:nvPr/>
+      </p:nvGrpSpPr>
+      <p:grpSpPr>
+        <a:xfrm>
+          <a:off x="0" y="0"/>
+          <a:ext cx="0" cy="0"/>
+          <a:chOff x="0" y="0"/>
+          <a:chExt cx="0" cy="0"/>
+        </a:xfrm>
+      </p:grpSpPr>
+      <p:sp>
+        <p:nvSpPr>
+          <p:cNvPr id="2" name="Title 1"/>
+          <p:cNvSpPr>
+            <a:spLocks noGrp="1"/>
+          </p:cNvSpPr>
+          <p:nvPr>
+            <p:ph type="title"/>
+          </p:nvPr>
+        </p:nvSpPr>
+        <p:spPr/>
+        <p:txBody>
+          <a:bodyPr/>
+          <a:lstStyle/>
+          <a:p>
+            <a:r>
+              <a:rPr lang="en-US" dirty="0" smtClean="0"/>
+              <a:t>Plan</a:t>
+            </a:r>
+            <a:endParaRPr lang="en-US" dirty="0"/>
+          </a:p>
+        </p:txBody>
+      </p:sp>
+      <p:sp>
+        <p:nvSpPr>
+          <p:cNvPr id="3" name="Content Placeholder 2"/>
+          <p:cNvSpPr>
+            <a:spLocks noGrp="1"/>
+          </p:cNvSpPr>
+          <p:nvPr>
+            <p:ph idx="1"/>
+          </p:nvPr>
+        </p:nvSpPr>
+        <p:spPr/>
+        <p:txBody>
+          <a:bodyPr>
+            <a:normAutofit fontScale="92500"/>
+          </a:bodyPr>
+          <a:lstStyle/>
+          <a:p>
+            <a:r>
+              <a:rPr lang="en-US" dirty="0" smtClean="0"/>
+              <a:t>Hardware is pretty much the same for all of the possible approaches</a:t>
+            </a:r>
+          </a:p>
+          <a:p>
+            <a:r>
+              <a:rPr lang="en-US" dirty="0" smtClean="0"/>
+              <a:t>Step 1: Build the rig well</a:t>
+            </a:r>
+          </a:p>
+          <a:p>
+            <a:pPr lvl="1"/>
+            <a:r>
+              <a:rPr lang="en-US" dirty="0" smtClean="0"/>
+              <a:t>My method shouldn’t be very sensitive to the precision of the build, but others may be</a:t>
+            </a:r>
+          </a:p>
+          <a:p>
+            <a:r>
+              <a:rPr lang="en-US" dirty="0" smtClean="0"/>
+              <a:t>Step 2: Implement my method using IMU for gravity vector</a:t>
+            </a:r>
+          </a:p>
+          <a:p>
+            <a:r>
+              <a:rPr lang="en-US" dirty="0" smtClean="0"/>
+              <a:t>Step 3: If it doesn’t work, we try something that’s been published (hardware is already set up)</a:t>
+            </a:r>
+          </a:p>
+        </p:txBody>
+      </p:sp>
+    </p:spTree>
+    <p:extLst>
+      <p:ext uri="{BB962C8B-B14F-4D97-AF65-F5344CB8AC3E}">
+        <p14:creationId xmlns:p14="http://schemas.microsoft.com/office/powerpoint/2010/main" val="4060742304"/>
+      </p:ext>
+    </p:extLst>
+  </p:cSld>
+  <p:clrMapOvr>
+    <a:masterClrMapping/>
+  </p:clrMapOvr>
+  <p:timing>
+    <p:tnLst>
+      <p:par>
+        <p:cTn id="1" dur="indefinite" restart="never" nodeType="tmRoot"/>
+      </p:par>
+    </p:tnLst>
+  </p:timing>
+</p:sld>
+</file>
+
+<file path=ppt/slides/slide18.xml><?xml version="1.0" encoding="utf-8"?>
+<p:sld xmlns:a="http://schemas.openxmlformats.org/drawingml/2006/main" xmlns:r="http://schemas.openxmlformats.org/officeDocument/2006/relationships" xmlns:p="http://schemas.openxmlformats.org/presentationml/2006/main">
+  <p:cSld>
+    <p:spTree>
+      <p:nvGrpSpPr>
+        <p:cNvPr id="1" name=""/>
+        <p:cNvGrpSpPr/>
+        <p:nvPr/>
+      </p:nvGrpSpPr>
+      <p:grpSpPr>
+        <a:xfrm>
+          <a:off x="0" y="0"/>
+          <a:ext cx="0" cy="0"/>
+          <a:chOff x="0" y="0"/>
+          <a:chExt cx="0" cy="0"/>
+        </a:xfrm>
+      </p:grpSpPr>
+      <p:sp>
+        <p:nvSpPr>
+          <p:cNvPr id="2" name="Title 1"/>
+          <p:cNvSpPr>
+            <a:spLocks noGrp="1"/>
+          </p:cNvSpPr>
+          <p:nvPr>
+            <p:ph type="title"/>
+          </p:nvPr>
+        </p:nvSpPr>
+        <p:spPr/>
+        <p:txBody>
+          <a:bodyPr/>
+          <a:lstStyle/>
+          <a:p>
+            <a:r>
+              <a:rPr lang="en-US" dirty="0" smtClean="0"/>
+              <a:t>Build Plan</a:t>
+            </a:r>
+            <a:endParaRPr lang="en-US" dirty="0"/>
+          </a:p>
+        </p:txBody>
+      </p:sp>
+      <p:sp>
+        <p:nvSpPr>
+          <p:cNvPr id="3" name="Content Placeholder 2"/>
+          <p:cNvSpPr>
+            <a:spLocks noGrp="1"/>
+          </p:cNvSpPr>
+          <p:nvPr>
+            <p:ph idx="1"/>
+          </p:nvPr>
+        </p:nvSpPr>
+        <p:spPr/>
+        <p:txBody>
+          <a:bodyPr/>
+          <a:lstStyle/>
+          <a:p>
+            <a:r>
+              <a:rPr lang="en-US" dirty="0" smtClean="0"/>
+              <a:t>See </a:t>
+            </a:r>
+            <a:r>
+              <a:rPr lang="en-US" dirty="0" err="1" smtClean="0"/>
+              <a:t>SolidWorks</a:t>
+            </a:r>
+            <a:r>
+              <a:rPr lang="en-US" dirty="0" smtClean="0"/>
+              <a:t> mock up</a:t>
+            </a:r>
+            <a:endParaRPr lang="en-US" dirty="0"/>
+          </a:p>
+        </p:txBody>
+      </p:sp>
+    </p:spTree>
+    <p:extLst>
+      <p:ext uri="{BB962C8B-B14F-4D97-AF65-F5344CB8AC3E}">
+        <p14:creationId xmlns:p14="http://schemas.microsoft.com/office/powerpoint/2010/main" val="1858319594"/>
+      </p:ext>
+    </p:extLst>
+  </p:cSld>
+  <p:clrMapOvr>
+    <a:masterClrMapping/>
+  </p:clrMapOvr>
+  <p:timing>
+    <p:tnLst>
+      <p:par>
+        <p:cTn id="1" dur="indefinite" restart="never" nodeType="tmRoot"/>
+      </p:par>
+    </p:tnLst>
+  </p:timing>
+</p:sld>
+</file>
+
+<file path=ppt/slides/slide19.xml><?xml version="1.0" encoding="utf-8"?>
+<p:sld xmlns:a="http://schemas.openxmlformats.org/drawingml/2006/main" xmlns:r="http://schemas.openxmlformats.org/officeDocument/2006/relationships" xmlns:p="http://schemas.openxmlformats.org/presentationml/2006/main">
+  <p:cSld>
+    <p:spTree>
+      <p:nvGrpSpPr>
+        <p:cNvPr id="1" name=""/>
+        <p:cNvGrpSpPr/>
+        <p:nvPr/>
+      </p:nvGrpSpPr>
+      <p:grpSpPr>
+        <a:xfrm>
+          <a:off x="0" y="0"/>
+          <a:ext cx="0" cy="0"/>
+          <a:chOff x="0" y="0"/>
+          <a:chExt cx="0" cy="0"/>
+        </a:xfrm>
+      </p:grpSpPr>
+      <p:sp>
+        <p:nvSpPr>
+          <p:cNvPr id="2" name="Title 1"/>
+          <p:cNvSpPr>
+            <a:spLocks noGrp="1"/>
+          </p:cNvSpPr>
+          <p:nvPr>
+            <p:ph type="title"/>
+          </p:nvPr>
+        </p:nvSpPr>
+        <p:spPr/>
+        <p:txBody>
+          <a:bodyPr/>
+          <a:lstStyle/>
+          <a:p>
+            <a:r>
+              <a:rPr lang="en-US" dirty="0" smtClean="0"/>
+              <a:t>Keep in Mind</a:t>
+            </a:r>
+            <a:endParaRPr lang="en-US" dirty="0"/>
+          </a:p>
+        </p:txBody>
+      </p:sp>
+      <p:sp>
+        <p:nvSpPr>
+          <p:cNvPr id="3" name="Content Placeholder 2"/>
+          <p:cNvSpPr>
+            <a:spLocks noGrp="1"/>
+          </p:cNvSpPr>
+          <p:nvPr>
+            <p:ph idx="1"/>
+          </p:nvPr>
+        </p:nvSpPr>
+        <p:spPr/>
+        <p:txBody>
+          <a:bodyPr/>
+          <a:lstStyle/>
+          <a:p>
+            <a:r>
+              <a:rPr lang="en-US" dirty="0" smtClean="0"/>
+              <a:t>No mass motions</a:t>
+            </a:r>
+          </a:p>
+          <a:p>
+            <a:pPr lvl="1"/>
+            <a:r>
+              <a:rPr lang="en-US" dirty="0" smtClean="0"/>
+              <a:t>Rigid platform</a:t>
+            </a:r>
+          </a:p>
+          <a:p>
+            <a:pPr lvl="1"/>
+            <a:r>
+              <a:rPr lang="en-US" dirty="0" smtClean="0"/>
+              <a:t>All components well secured</a:t>
+            </a:r>
+          </a:p>
+          <a:p>
+            <a:pPr lvl="1"/>
+            <a:r>
+              <a:rPr lang="en-US" dirty="0" smtClean="0"/>
+              <a:t>Wires</a:t>
+            </a:r>
+          </a:p>
+          <a:p>
+            <a:r>
+              <a:rPr lang="en-US" dirty="0" smtClean="0"/>
+              <a:t>Precise placement of actuators (especially z axis) and sensors is highly desirable</a:t>
+            </a:r>
+          </a:p>
+          <a:p>
+            <a:pPr lvl="1"/>
+            <a:r>
+              <a:rPr lang="en-US" dirty="0" smtClean="0"/>
+              <a:t>Use quality machining</a:t>
+            </a:r>
+          </a:p>
+          <a:p>
+            <a:pPr lvl="1"/>
+            <a:endParaRPr lang="en-US" dirty="0" smtClean="0"/>
+          </a:p>
+        </p:txBody>
+      </p:sp>
+    </p:spTree>
+    <p:extLst>
+      <p:ext uri="{BB962C8B-B14F-4D97-AF65-F5344CB8AC3E}">
+        <p14:creationId xmlns:p14="http://schemas.microsoft.com/office/powerpoint/2010/main" val="1559672313"/>
+      </p:ext>
+    </p:extLst>
+  </p:cSld>
+  <p:clrMapOvr>
+    <a:masterClrMapping/>
+  </p:clrMapOvr>
+  <p:timing>
+    <p:tnLst>
+      <p:par>
+        <p:cTn id="1" dur="indefinite" restart="never" nodeType="tmRoot"/>
+      </p:par>
+    </p:tnLst>
+  </p:timing>
 </p:sld>
 </file>
 
@@ -3689,6 +4886,144 @@
     <p:extLst>
       <p:ext uri="{BB962C8B-B14F-4D97-AF65-F5344CB8AC3E}">
         <p14:creationId xmlns:p14="http://schemas.microsoft.com/office/powerpoint/2010/main" val="4193704760"/>
+      </p:ext>
+    </p:extLst>
+  </p:cSld>
+  <p:clrMapOvr>
+    <a:masterClrMapping/>
+  </p:clrMapOvr>
+  <p:timing>
+    <p:tnLst>
+      <p:par>
+        <p:cTn id="1" dur="indefinite" restart="never" nodeType="tmRoot"/>
+      </p:par>
+    </p:tnLst>
+  </p:timing>
+</p:sld>
+</file>
+
+<file path=ppt/slides/slide20.xml><?xml version="1.0" encoding="utf-8"?>
+<p:sld xmlns:a="http://schemas.openxmlformats.org/drawingml/2006/main" xmlns:r="http://schemas.openxmlformats.org/officeDocument/2006/relationships" xmlns:p="http://schemas.openxmlformats.org/presentationml/2006/main">
+  <p:cSld>
+    <p:spTree>
+      <p:nvGrpSpPr>
+        <p:cNvPr id="1" name=""/>
+        <p:cNvGrpSpPr/>
+        <p:nvPr/>
+      </p:nvGrpSpPr>
+      <p:grpSpPr>
+        <a:xfrm>
+          <a:off x="0" y="0"/>
+          <a:ext cx="0" cy="0"/>
+          <a:chOff x="0" y="0"/>
+          <a:chExt cx="0" cy="0"/>
+        </a:xfrm>
+      </p:grpSpPr>
+      <p:sp>
+        <p:nvSpPr>
+          <p:cNvPr id="2" name="Title 1"/>
+          <p:cNvSpPr>
+            <a:spLocks noGrp="1"/>
+          </p:cNvSpPr>
+          <p:nvPr>
+            <p:ph type="title"/>
+          </p:nvPr>
+        </p:nvSpPr>
+        <p:spPr/>
+        <p:txBody>
+          <a:bodyPr/>
+          <a:lstStyle/>
+          <a:p>
+            <a:r>
+              <a:rPr lang="en-US" dirty="0" smtClean="0"/>
+              <a:t>Some References</a:t>
+            </a:r>
+            <a:endParaRPr lang="en-US" dirty="0"/>
+          </a:p>
+        </p:txBody>
+      </p:sp>
+      <p:sp>
+        <p:nvSpPr>
+          <p:cNvPr id="3" name="Content Placeholder 2"/>
+          <p:cNvSpPr>
+            <a:spLocks noGrp="1"/>
+          </p:cNvSpPr>
+          <p:nvPr>
+            <p:ph idx="1"/>
+          </p:nvPr>
+        </p:nvSpPr>
+        <p:spPr/>
+        <p:txBody>
+          <a:bodyPr>
+            <a:normAutofit fontScale="77500" lnSpcReduction="20000"/>
+          </a:bodyPr>
+          <a:lstStyle/>
+          <a:p>
+            <a:r>
+              <a:rPr lang="en-US" dirty="0" err="1" smtClean="0"/>
+              <a:t>Chesi</a:t>
+            </a:r>
+            <a:r>
+              <a:rPr lang="en-US" dirty="0" smtClean="0"/>
+              <a:t> et al. “Automatic Mass Balancing of a Spacecraft Three-Axis Simulator: Analysis and Experimentation.” 2014</a:t>
+            </a:r>
+          </a:p>
+          <a:p>
+            <a:r>
+              <a:rPr lang="en-US" dirty="0" smtClean="0"/>
+              <a:t>Kim, J.J. and </a:t>
+            </a:r>
+            <a:r>
+              <a:rPr lang="en-US" dirty="0" err="1" smtClean="0"/>
+              <a:t>Agrawal</a:t>
+            </a:r>
+            <a:r>
+              <a:rPr lang="en-US" dirty="0" smtClean="0"/>
+              <a:t>, B.N.  “Automatic Mass Balancing of Air-Bearing-Based Three-Axis Rotational Spacecraft Simulator.” 2009.</a:t>
+            </a:r>
+          </a:p>
+          <a:p>
+            <a:r>
+              <a:rPr lang="en-US" dirty="0" err="1" smtClean="0"/>
+              <a:t>Meissner</a:t>
+            </a:r>
+            <a:r>
+              <a:rPr lang="en-US" dirty="0" smtClean="0"/>
+              <a:t>, D.M. Thesis. 2009. Naval Postgraduate School.</a:t>
+            </a:r>
+          </a:p>
+          <a:p>
+            <a:r>
+              <a:rPr lang="en-US" dirty="0" smtClean="0"/>
+              <a:t>Li, Y. and </a:t>
+            </a:r>
+            <a:r>
+              <a:rPr lang="en-US" dirty="0" err="1" smtClean="0"/>
+              <a:t>Gao,Y</a:t>
+            </a:r>
+            <a:r>
+              <a:rPr lang="en-US" dirty="0" smtClean="0"/>
+              <a:t>. “Equations of Motion for the Automatic Balancing System of 3-DOF Spacecraft Attitude Control Simulator”.</a:t>
+            </a:r>
+          </a:p>
+          <a:p>
+            <a:r>
+              <a:rPr lang="en-US" dirty="0" smtClean="0"/>
+              <a:t>Smith, G.A. “Dynamic Simulators for Test of Space Vehicle Attitude Control Systems.”1964.</a:t>
+            </a:r>
+          </a:p>
+          <a:p>
+            <a:endParaRPr lang="en-US" dirty="0" smtClean="0"/>
+          </a:p>
+          <a:p>
+            <a:endParaRPr lang="en-US" dirty="0"/>
+          </a:p>
+        </p:txBody>
+      </p:sp>
+    </p:spTree>
+    <p:extLst>
+      <p:ext uri="{BB962C8B-B14F-4D97-AF65-F5344CB8AC3E}">
+        <p14:creationId xmlns:p14="http://schemas.microsoft.com/office/powerpoint/2010/main" val="3881245920"/>
       </p:ext>
     </p:extLst>
   </p:cSld>
@@ -3837,6 +5172,13 @@
   <p:clrMapOvr>
     <a:masterClrMapping/>
   </p:clrMapOvr>
+  <p:timing>
+    <p:tnLst>
+      <p:par>
+        <p:cTn id="1" dur="indefinite" restart="never" nodeType="tmRoot"/>
+      </p:par>
+    </p:tnLst>
+  </p:timing>
 </p:sld>
 </file>
 
@@ -3910,12 +5252,6 @@
           <a:p>
             <a:r>
               <a:rPr lang="en-US" dirty="0" smtClean="0"/>
-              <a:t>Rebalance between tests</a:t>
-            </a:r>
-          </a:p>
-          <a:p>
-            <a:r>
-              <a:rPr lang="en-US" dirty="0" smtClean="0"/>
               <a:t>Coarse adjustments are manual</a:t>
             </a:r>
           </a:p>
@@ -3923,7 +5259,7 @@
             <a:pPr lvl="1"/>
             <a:r>
               <a:rPr lang="en-US" dirty="0" smtClean="0"/>
-              <a:t>Allows smaller sliding weights, increased precision</a:t>
+              <a:t>Allows smaller sliding weights, increased precision, relaxed requirement on actuators</a:t>
             </a:r>
           </a:p>
           <a:p>
@@ -3950,6 +5286,13 @@
   <p:clrMapOvr>
     <a:masterClrMapping/>
   </p:clrMapOvr>
+  <p:timing>
+    <p:tnLst>
+      <p:par>
+        <p:cTn id="1" dur="indefinite" restart="never" nodeType="tmRoot"/>
+      </p:par>
+    </p:tnLst>
+  </p:timing>
 </p:sld>
 </file>
 
@@ -3987,7 +5330,7 @@
           <a:p>
             <a:r>
               <a:rPr lang="en-US" dirty="0" smtClean="0"/>
-              <a:t>Balancing Approaches	</a:t>
+              <a:t>Sensors</a:t>
             </a:r>
             <a:endParaRPr lang="en-US" dirty="0"/>
           </a:p>
@@ -4005,93 +5348,43 @@
         </p:nvSpPr>
         <p:spPr/>
         <p:txBody>
-          <a:bodyPr>
-            <a:normAutofit fontScale="92500" lnSpcReduction="10000"/>
-          </a:bodyPr>
-          <a:lstStyle/>
-          <a:p>
-            <a:r>
-              <a:rPr lang="en-US" dirty="0" smtClean="0"/>
-              <a:t>Batch estimation</a:t>
+          <a:bodyPr/>
+          <a:lstStyle/>
+          <a:p>
+            <a:r>
+              <a:rPr lang="en-US" dirty="0" smtClean="0"/>
+              <a:t>IMU</a:t>
             </a:r>
           </a:p>
           <a:p>
             <a:pPr lvl="1"/>
             <a:r>
               <a:rPr lang="en-US" dirty="0" smtClean="0"/>
-              <a:t>Develop equations of motion</a:t>
+              <a:t>Gravity vector</a:t>
             </a:r>
           </a:p>
           <a:p>
             <a:pPr lvl="1"/>
             <a:r>
               <a:rPr lang="en-US" dirty="0" smtClean="0"/>
-              <a:t>Actuate system (with reaction wheels)</a:t>
+              <a:t>Rotation rates</a:t>
+            </a:r>
+          </a:p>
+          <a:p>
+            <a:r>
+              <a:rPr lang="en-US" dirty="0" smtClean="0"/>
+              <a:t>Inclinometers</a:t>
             </a:r>
           </a:p>
           <a:p>
             <a:pPr lvl="1"/>
             <a:r>
               <a:rPr lang="en-US" dirty="0" smtClean="0"/>
-              <a:t>Use some (least squares) approach to find best estimate of </a:t>
-            </a:r>
-            <a:r>
-              <a:rPr lang="en-US" dirty="0" err="1" smtClean="0"/>
-              <a:t>CoG</a:t>
-            </a:r>
-            <a:endParaRPr lang="en-US" dirty="0" smtClean="0"/>
+              <a:t>Can give better gravity vector than IMU</a:t>
+            </a:r>
           </a:p>
           <a:p>
             <a:pPr lvl="1"/>
-            <a:r>
-              <a:rPr lang="en-US" dirty="0" smtClean="0"/>
-              <a:t>Once </a:t>
-            </a:r>
-            <a:r>
-              <a:rPr lang="en-US" dirty="0" err="1" smtClean="0"/>
-              <a:t>CoG</a:t>
-            </a:r>
-            <a:r>
-              <a:rPr lang="en-US" dirty="0" smtClean="0"/>
-              <a:t> is known, move masses to compensate</a:t>
-            </a:r>
-          </a:p>
-          <a:p>
-            <a:pPr lvl="1"/>
-            <a:r>
-              <a:rPr lang="en-US" dirty="0" smtClean="0"/>
-              <a:t>Sensitive to knowledge of actuator parameters</a:t>
-            </a:r>
-          </a:p>
-          <a:p>
-            <a:pPr lvl="1"/>
-            <a:r>
-              <a:rPr lang="en-US" dirty="0" smtClean="0"/>
-              <a:t>Multiple iterations needed</a:t>
-            </a:r>
-          </a:p>
-          <a:p>
-            <a:pPr lvl="1"/>
-            <a:r>
-              <a:rPr lang="en-US" dirty="0" smtClean="0"/>
-              <a:t>Requires IMU</a:t>
-            </a:r>
-          </a:p>
-          <a:p>
-            <a:pPr lvl="1"/>
-            <a:r>
-              <a:rPr lang="en-US" dirty="0" smtClean="0"/>
-              <a:t>Requires actuation</a:t>
-            </a:r>
-          </a:p>
-          <a:p>
-            <a:pPr lvl="1"/>
-            <a:endParaRPr lang="en-US" dirty="0" smtClean="0"/>
-          </a:p>
-          <a:p>
-            <a:pPr marL="457200" lvl="1" indent="0">
-              <a:buNone/>
-            </a:pPr>
             <a:endParaRPr lang="en-US" dirty="0"/>
           </a:p>
         </p:txBody>
@@ -4099,13 +5392,20 @@
     </p:spTree>
     <p:extLst>
       <p:ext uri="{BB962C8B-B14F-4D97-AF65-F5344CB8AC3E}">
-        <p14:creationId xmlns:p14="http://schemas.microsoft.com/office/powerpoint/2010/main" val="4257297385"/>
+        <p14:creationId xmlns:p14="http://schemas.microsoft.com/office/powerpoint/2010/main" val="959999425"/>
       </p:ext>
     </p:extLst>
   </p:cSld>
   <p:clrMapOvr>
     <a:masterClrMapping/>
   </p:clrMapOvr>
+  <p:timing>
+    <p:tnLst>
+      <p:par>
+        <p:cTn id="1" dur="indefinite" restart="never" nodeType="tmRoot"/>
+      </p:par>
+    </p:tnLst>
+  </p:timing>
 </p:sld>
 </file>
 
@@ -4143,7 +5443,7 @@
           <a:p>
             <a:r>
               <a:rPr lang="en-US" dirty="0" smtClean="0"/>
-              <a:t>Balancing Approaches</a:t>
+              <a:t>Actuators</a:t>
             </a:r>
             <a:endParaRPr lang="en-US" dirty="0"/>
           </a:p>
@@ -4166,35 +5466,42 @@
           <a:p>
             <a:r>
               <a:rPr lang="en-US" dirty="0" smtClean="0"/>
-              <a:t>Alternative Approach to Batch Estimation</a:t>
+              <a:t>Desirable traits</a:t>
             </a:r>
           </a:p>
           <a:p>
             <a:pPr lvl="1"/>
             <a:r>
               <a:rPr lang="en-US" dirty="0" smtClean="0"/>
-              <a:t>Move masses</a:t>
+              <a:t>High force</a:t>
             </a:r>
           </a:p>
           <a:p>
             <a:pPr lvl="1"/>
             <a:r>
               <a:rPr lang="en-US" dirty="0" smtClean="0"/>
-              <a:t>Measure change of equilibrium position</a:t>
+              <a:t>High detent force (when turned off)</a:t>
             </a:r>
           </a:p>
           <a:p>
             <a:pPr lvl="1"/>
             <a:r>
               <a:rPr lang="en-US" dirty="0" smtClean="0"/>
-              <a:t>Compute center of mass </a:t>
+              <a:t>Low magnetic interference</a:t>
             </a:r>
           </a:p>
           <a:p>
             <a:pPr lvl="1"/>
             <a:r>
               <a:rPr lang="en-US" dirty="0" smtClean="0"/>
-              <a:t>Move masses to compensate </a:t>
+              <a:t>High precision</a:t>
+            </a:r>
+          </a:p>
+          <a:p>
+            <a:pPr lvl="1"/>
+            <a:r>
+              <a:rPr lang="en-US" dirty="0" smtClean="0"/>
+              <a:t>High accuracy</a:t>
             </a:r>
           </a:p>
           <a:p>
@@ -4206,13 +5513,20 @@
     </p:spTree>
     <p:extLst>
       <p:ext uri="{BB962C8B-B14F-4D97-AF65-F5344CB8AC3E}">
-        <p14:creationId xmlns:p14="http://schemas.microsoft.com/office/powerpoint/2010/main" val="1185696142"/>
+        <p14:creationId xmlns:p14="http://schemas.microsoft.com/office/powerpoint/2010/main" val="80413265"/>
       </p:ext>
     </p:extLst>
   </p:cSld>
   <p:clrMapOvr>
     <a:masterClrMapping/>
   </p:clrMapOvr>
+  <p:timing>
+    <p:tnLst>
+      <p:par>
+        <p:cTn id="1" dur="indefinite" restart="never" nodeType="tmRoot"/>
+      </p:par>
+    </p:tnLst>
+  </p:timing>
 </p:sld>
 </file>
 
@@ -4250,7 +5564,7 @@
           <a:p>
             <a:r>
               <a:rPr lang="en-US" dirty="0" smtClean="0"/>
-              <a:t>Balancing Approaches</a:t>
+              <a:t>Actuators</a:t>
             </a:r>
             <a:endParaRPr lang="en-US" dirty="0"/>
           </a:p>
@@ -4272,70 +5586,74 @@
           <a:lstStyle/>
           <a:p>
             <a:r>
-              <a:rPr lang="en-US" dirty="0" smtClean="0"/>
-              <a:t>Feedback approach</a:t>
+              <a:rPr lang="en-US" dirty="0" err="1" smtClean="0"/>
+              <a:t>Piezo</a:t>
+            </a:r>
+            <a:r>
+              <a:rPr lang="en-US" dirty="0" smtClean="0"/>
+              <a:t> Motors &gt; Electromagnetic Motors</a:t>
             </a:r>
           </a:p>
           <a:p>
             <a:pPr lvl="1"/>
             <a:r>
               <a:rPr lang="en-US" dirty="0" smtClean="0"/>
-              <a:t>Apply impulse(s)</a:t>
+              <a:t>Better in all respects mentioned above</a:t>
             </a:r>
           </a:p>
           <a:p>
             <a:pPr lvl="1"/>
             <a:r>
               <a:rPr lang="en-US" dirty="0" smtClean="0"/>
-              <a:t>While system is spinning, apply feedback control law to drive external torque to zero</a:t>
+              <a:t>Simpler (no gearbox)</a:t>
+            </a:r>
+          </a:p>
+          <a:p>
+            <a:r>
+              <a:rPr lang="en-US" dirty="0" smtClean="0"/>
+              <a:t>But:</a:t>
             </a:r>
           </a:p>
           <a:p>
             <a:pPr lvl="1"/>
             <a:r>
               <a:rPr lang="en-US" dirty="0" smtClean="0"/>
-              <a:t>Implemented by Kim and </a:t>
-            </a:r>
-            <a:r>
-              <a:rPr lang="en-US" dirty="0" err="1" smtClean="0"/>
-              <a:t>Agrawal</a:t>
-            </a:r>
-            <a:endParaRPr lang="en-US" dirty="0" smtClean="0"/>
+              <a:t>Potentially more costly</a:t>
+            </a:r>
           </a:p>
           <a:p>
             <a:pPr lvl="1"/>
             <a:r>
               <a:rPr lang="en-US" dirty="0" smtClean="0"/>
-              <a:t>Requires knowledge of initial MOI</a:t>
+              <a:t>Smaller displacement</a:t>
             </a:r>
           </a:p>
           <a:p>
             <a:pPr lvl="1"/>
             <a:r>
               <a:rPr lang="en-US" dirty="0" smtClean="0"/>
-              <a:t>Requires IMU</a:t>
-            </a:r>
-          </a:p>
-          <a:p>
-            <a:pPr lvl="1"/>
-            <a:r>
-              <a:rPr lang="en-US" dirty="0" smtClean="0"/>
-              <a:t>Requires actuation</a:t>
-            </a:r>
-            <a:endParaRPr lang="en-US" dirty="0"/>
+              <a:t>Complicated to drive</a:t>
+            </a:r>
           </a:p>
         </p:txBody>
       </p:sp>
     </p:spTree>
     <p:extLst>
       <p:ext uri="{BB962C8B-B14F-4D97-AF65-F5344CB8AC3E}">
-        <p14:creationId xmlns:p14="http://schemas.microsoft.com/office/powerpoint/2010/main" val="1269536730"/>
+        <p14:creationId xmlns:p14="http://schemas.microsoft.com/office/powerpoint/2010/main" val="3597017234"/>
       </p:ext>
     </p:extLst>
   </p:cSld>
   <p:clrMapOvr>
     <a:masterClrMapping/>
   </p:clrMapOvr>
+  <p:timing>
+    <p:tnLst>
+      <p:par>
+        <p:cTn id="1" dur="indefinite" restart="never" nodeType="tmRoot"/>
+      </p:par>
+    </p:tnLst>
+  </p:timing>
 </p:sld>
 </file>
 
@@ -4368,14 +5686,12 @@
         </p:nvSpPr>
         <p:spPr/>
         <p:txBody>
-          <a:bodyPr>
-            <a:normAutofit fontScale="90000"/>
-          </a:bodyPr>
-          <a:lstStyle/>
-          <a:p>
-            <a:r>
-              <a:rPr lang="en-US" dirty="0" smtClean="0"/>
-              <a:t>Old School Manual Balancing Technique</a:t>
+          <a:bodyPr/>
+          <a:lstStyle/>
+          <a:p>
+            <a:r>
+              <a:rPr lang="en-US" dirty="0" smtClean="0"/>
+              <a:t>Proposed Actuator</a:t>
             </a:r>
             <a:endParaRPr lang="en-US" dirty="0"/>
           </a:p>
@@ -4391,25 +5707,257 @@
             <p:ph idx="1"/>
           </p:nvPr>
         </p:nvSpPr>
-        <p:spPr/>
-        <p:txBody>
-          <a:bodyPr/>
-          <a:lstStyle/>
-          <a:p>
-            <a:endParaRPr lang="en-US" dirty="0"/>
-          </a:p>
-        </p:txBody>
-      </p:sp>
+        <p:spPr>
+          <a:xfrm>
+            <a:off x="457200" y="1600200"/>
+            <a:ext cx="4038600" cy="4525963"/>
+          </a:xfrm>
+        </p:spPr>
+        <p:txBody>
+          <a:bodyPr/>
+          <a:lstStyle/>
+          <a:p>
+            <a:r>
+              <a:rPr lang="en-US" dirty="0" smtClean="0"/>
+              <a:t>PI N-422</a:t>
+            </a:r>
+          </a:p>
+          <a:p>
+            <a:r>
+              <a:rPr lang="en-US" dirty="0" smtClean="0"/>
+              <a:t>7N push force</a:t>
+            </a:r>
+          </a:p>
+          <a:p>
+            <a:r>
+              <a:rPr lang="en-US" dirty="0" smtClean="0"/>
+              <a:t>10N hold force</a:t>
+            </a:r>
+          </a:p>
+          <a:p>
+            <a:r>
+              <a:rPr lang="en-US" dirty="0" smtClean="0"/>
+              <a:t>35mm travel</a:t>
+            </a:r>
+          </a:p>
+          <a:p>
+            <a:pPr lvl="1"/>
+            <a:r>
+              <a:rPr lang="en-US" dirty="0" smtClean="0"/>
+              <a:t>I think this can be increased</a:t>
+            </a:r>
+          </a:p>
+          <a:p>
+            <a:r>
+              <a:rPr lang="en-US" dirty="0" smtClean="0"/>
+              <a:t>No encoder (add later if needed)</a:t>
+            </a:r>
+          </a:p>
+        </p:txBody>
+      </p:sp>
+      <p:pic>
+        <p:nvPicPr>
+          <p:cNvPr id="1026" name="Picture 2"/>
+          <p:cNvPicPr>
+            <a:picLocks noChangeAspect="1" noChangeArrowheads="1"/>
+          </p:cNvPicPr>
+          <p:nvPr/>
+        </p:nvPicPr>
+        <p:blipFill>
+          <a:blip r:embed="rId2">
+            <a:extLst>
+              <a:ext uri="{28A0092B-C50C-407E-A947-70E740481C1C}">
+                <a14:useLocalDpi xmlns:a14="http://schemas.microsoft.com/office/drawing/2010/main" val="0"/>
+              </a:ext>
+            </a:extLst>
+          </a:blip>
+          <a:srcRect/>
+          <a:stretch>
+            <a:fillRect/>
+          </a:stretch>
+        </p:blipFill>
+        <p:spPr bwMode="auto">
+          <a:xfrm>
+            <a:off x="4495800" y="1537381"/>
+            <a:ext cx="4210050" cy="3819525"/>
+          </a:xfrm>
+          <a:prstGeom prst="rect">
+            <a:avLst/>
+          </a:prstGeom>
+          <a:noFill/>
+          <a:ln>
+            <a:noFill/>
+          </a:ln>
+          <a:effectLst/>
+          <a:extLst>
+            <a:ext uri="{909E8E84-426E-40DD-AFC4-6F175D3DCCD1}">
+              <a14:hiddenFill xmlns:a14="http://schemas.microsoft.com/office/drawing/2010/main">
+                <a:solidFill>
+                  <a:schemeClr val="accent1"/>
+                </a:solidFill>
+              </a14:hiddenFill>
+            </a:ext>
+            <a:ext uri="{91240B29-F687-4F45-9708-019B960494DF}">
+              <a14:hiddenLine xmlns:a14="http://schemas.microsoft.com/office/drawing/2010/main" w="9525">
+                <a:solidFill>
+                  <a:schemeClr val="tx1"/>
+                </a:solidFill>
+                <a:miter lim="800000"/>
+                <a:headEnd/>
+                <a:tailEnd/>
+              </a14:hiddenLine>
+            </a:ext>
+            <a:ext uri="{AF507438-7753-43E0-B8FC-AC1667EBCBE1}">
+              <a14:hiddenEffects xmlns:a14="http://schemas.microsoft.com/office/drawing/2010/main">
+                <a:effectLst>
+                  <a:outerShdw dist="35921" dir="2700000" algn="ctr" rotWithShape="0">
+                    <a:schemeClr val="bg2"/>
+                  </a:outerShdw>
+                </a:effectLst>
+              </a14:hiddenEffects>
+            </a:ext>
+          </a:extLst>
+        </p:spPr>
+      </p:pic>
     </p:spTree>
     <p:extLst>
       <p:ext uri="{BB962C8B-B14F-4D97-AF65-F5344CB8AC3E}">
-        <p14:creationId xmlns:p14="http://schemas.microsoft.com/office/powerpoint/2010/main" val="2118397753"/>
+        <p14:creationId xmlns:p14="http://schemas.microsoft.com/office/powerpoint/2010/main" val="577826046"/>
       </p:ext>
     </p:extLst>
   </p:cSld>
   <p:clrMapOvr>
     <a:masterClrMapping/>
   </p:clrMapOvr>
+  <p:timing>
+    <p:tnLst>
+      <p:par>
+        <p:cTn id="1" dur="indefinite" restart="never" nodeType="tmRoot"/>
+      </p:par>
+    </p:tnLst>
+  </p:timing>
+</p:sld>
+</file>
+
+<file path=ppt/slides/slide9.xml><?xml version="1.0" encoding="utf-8"?>
+<p:sld xmlns:a="http://schemas.openxmlformats.org/drawingml/2006/main" xmlns:r="http://schemas.openxmlformats.org/officeDocument/2006/relationships" xmlns:p="http://schemas.openxmlformats.org/presentationml/2006/main">
+  <p:cSld>
+    <p:spTree>
+      <p:nvGrpSpPr>
+        <p:cNvPr id="1" name=""/>
+        <p:cNvGrpSpPr/>
+        <p:nvPr/>
+      </p:nvGrpSpPr>
+      <p:grpSpPr>
+        <a:xfrm>
+          <a:off x="0" y="0"/>
+          <a:ext cx="0" cy="0"/>
+          <a:chOff x="0" y="0"/>
+          <a:chExt cx="0" cy="0"/>
+        </a:xfrm>
+      </p:grpSpPr>
+      <p:sp>
+        <p:nvSpPr>
+          <p:cNvPr id="2" name="Title 1"/>
+          <p:cNvSpPr>
+            <a:spLocks noGrp="1"/>
+          </p:cNvSpPr>
+          <p:nvPr>
+            <p:ph type="title"/>
+          </p:nvPr>
+        </p:nvSpPr>
+        <p:spPr/>
+        <p:txBody>
+          <a:bodyPr/>
+          <a:lstStyle/>
+          <a:p>
+            <a:r>
+              <a:rPr lang="en-US" dirty="0" smtClean="0"/>
+              <a:t>Proposed Actuator</a:t>
+            </a:r>
+            <a:endParaRPr lang="en-US" dirty="0"/>
+          </a:p>
+        </p:txBody>
+      </p:sp>
+      <p:sp>
+        <p:nvSpPr>
+          <p:cNvPr id="3" name="Content Placeholder 2"/>
+          <p:cNvSpPr>
+            <a:spLocks noGrp="1"/>
+          </p:cNvSpPr>
+          <p:nvPr>
+            <p:ph idx="1"/>
+          </p:nvPr>
+        </p:nvSpPr>
+        <p:spPr/>
+        <p:txBody>
+          <a:bodyPr/>
+          <a:lstStyle/>
+          <a:p>
+            <a:r>
+              <a:rPr lang="en-US" dirty="0" smtClean="0"/>
+              <a:t>100g, 4 channel driver available for the N-422</a:t>
+            </a:r>
+          </a:p>
+          <a:p>
+            <a:r>
+              <a:rPr lang="en-US" dirty="0" smtClean="0"/>
+              <a:t>Supposedly cost effective</a:t>
+            </a:r>
+          </a:p>
+          <a:p>
+            <a:pPr lvl="1"/>
+            <a:r>
+              <a:rPr lang="en-US" dirty="0" smtClean="0"/>
+              <a:t>Still waiting for a quote</a:t>
+            </a:r>
+          </a:p>
+          <a:p>
+            <a:pPr marL="0" indent="0">
+              <a:buNone/>
+            </a:pPr>
+            <a:endParaRPr lang="en-US" dirty="0" smtClean="0"/>
+          </a:p>
+          <a:p>
+            <a:endParaRPr lang="en-US" dirty="0" smtClean="0"/>
+          </a:p>
+          <a:p>
+            <a:pPr marL="0" indent="0">
+              <a:buNone/>
+            </a:pPr>
+            <a:endParaRPr lang="en-US" dirty="0"/>
+          </a:p>
+          <a:p>
+            <a:pPr marL="457200" lvl="1" indent="0">
+              <a:buNone/>
+            </a:pPr>
+            <a:endParaRPr lang="en-US" dirty="0"/>
+          </a:p>
+          <a:p>
+            <a:pPr marL="0" indent="0">
+              <a:buNone/>
+            </a:pPr>
+            <a:endParaRPr lang="en-US" dirty="0"/>
+          </a:p>
+        </p:txBody>
+      </p:sp>
+    </p:spTree>
+    <p:extLst>
+      <p:ext uri="{BB962C8B-B14F-4D97-AF65-F5344CB8AC3E}">
+        <p14:creationId xmlns:p14="http://schemas.microsoft.com/office/powerpoint/2010/main" val="3201163001"/>
+      </p:ext>
+    </p:extLst>
+  </p:cSld>
+  <p:clrMapOvr>
+    <a:masterClrMapping/>
+  </p:clrMapOvr>
+  <p:timing>
+    <p:tnLst>
+      <p:par>
+        <p:cTn id="1" dur="indefinite" restart="never" nodeType="tmRoot"/>
+      </p:par>
+    </p:tnLst>
+  </p:timing>
 </p:sld>
 </file>
 
